--- a/13-Power-BI-Dax/DSTools-Power-BI-Dax.pptx
+++ b/13-Power-BI-Dax/DSTools-Power-BI-Dax.pptx
@@ -19,6 +19,7 @@
     <p:sldId id="268" r:id="rId13"/>
     <p:sldId id="269" r:id="rId14"/>
     <p:sldId id="263" r:id="rId15"/>
+    <p:sldId id="270" r:id="rId16"/>
   </p:sldIdLst>
   <p:sldSz cx="12192000" cy="6858000"/>
   <p:notesSz cx="6858000" cy="9144000"/>
@@ -125,6 +126,341 @@
 </p:presentation>
 </file>
 
+<file path=ppt/ink/ink1.xml><?xml version="1.0" encoding="utf-8"?>
+<inkml:ink xmlns:inkml="http://www.w3.org/2003/InkML">
+  <inkml:definitions>
+    <inkml:context xml:id="ctx0">
+      <inkml:inkSource xml:id="inkSrc0">
+        <inkml:traceFormat>
+          <inkml:channel name="X" type="integer" max="32767" units="cm"/>
+          <inkml:channel name="Y" type="integer" max="32767" units="cm"/>
+          <inkml:channel name="F" type="integer" max="4095" units="deg"/>
+          <inkml:channel name="T" type="integer" max="2.14748E9" units="dev"/>
+        </inkml:traceFormat>
+        <inkml:channelProperties>
+          <inkml:channelProperty channel="X" name="resolution" value="2155.72363" units="1/cm"/>
+          <inkml:channelProperty channel="Y" name="resolution" value="3449.15796" units="1/cm"/>
+          <inkml:channelProperty channel="F" name="resolution" value="11.375" units="1/deg"/>
+          <inkml:channelProperty channel="T" name="resolution" value="1" units="1/dev"/>
+        </inkml:channelProperties>
+      </inkml:inkSource>
+      <inkml:timestamp xml:id="ts0" timeString="2022-04-19T02:59:28.611"/>
+    </inkml:context>
+    <inkml:brush xml:id="br0">
+      <inkml:brushProperty name="width" value="0.06667" units="cm"/>
+      <inkml:brushProperty name="height" value="0.06667" units="cm"/>
+      <inkml:brushProperty name="color" value="#ED1C24"/>
+      <inkml:brushProperty name="fitToCurve" value="1"/>
+    </inkml:brush>
+  </inkml:definitions>
+  <inkml:traceGroup>
+    <inkml:annotationXML>
+      <emma:emma xmlns:emma="http://www.w3.org/2003/04/emma" version="1.0">
+        <emma:interpretation id="{9C605DE0-E5AE-4E63-BB69-801005FD6702}" emma:medium="tactile" emma:mode="ink">
+          <msink:context xmlns:msink="http://schemas.microsoft.com/ink/2010/main" type="writingRegion" rotatedBoundingBox="1602,16799 23745,17012 23726,18946 1583,18733"/>
+        </emma:interpretation>
+      </emma:emma>
+    </inkml:annotationXML>
+    <inkml:traceGroup>
+      <inkml:annotationXML>
+        <emma:emma xmlns:emma="http://www.w3.org/2003/04/emma" version="1.0">
+          <emma:interpretation id="{95C0B153-4DCD-44F6-AF17-125DD507C216}" emma:medium="tactile" emma:mode="ink">
+            <msink:context xmlns:msink="http://schemas.microsoft.com/ink/2010/main" type="paragraph" rotatedBoundingBox="1602,16799 23745,17012 23726,18946 1583,18733" alignmentLevel="1"/>
+          </emma:interpretation>
+        </emma:emma>
+      </inkml:annotationXML>
+      <inkml:traceGroup>
+        <inkml:annotationXML>
+          <emma:emma xmlns:emma="http://www.w3.org/2003/04/emma" version="1.0">
+            <emma:interpretation id="{ACF9CD83-B07D-4C43-9FFD-DABDDEBEE753}" emma:medium="tactile" emma:mode="ink">
+              <msink:context xmlns:msink="http://schemas.microsoft.com/ink/2010/main" type="line" rotatedBoundingBox="1602,16799 23745,17012 23727,18886 1584,18673"/>
+            </emma:interpretation>
+          </emma:emma>
+        </inkml:annotationXML>
+        <inkml:traceGroup>
+          <inkml:annotationXML>
+            <emma:emma xmlns:emma="http://www.w3.org/2003/04/emma" version="1.0">
+              <emma:interpretation id="{CEDD621A-77AE-45F5-AD4A-06911290B071}" emma:medium="tactile" emma:mode="ink">
+                <msink:context xmlns:msink="http://schemas.microsoft.com/ink/2010/main" type="inkWord" rotatedBoundingBox="1599,17130 6309,17176 6300,18137 1590,18091">
+                  <msink:destinationLink direction="with" ref="{628AB09B-F8F1-42B2-AFC3-7444B057A4CD}"/>
+                </msink:context>
+              </emma:interpretation>
+              <emma:one-of disjunction-type="recognition" id="oneOf0">
+                <emma:interpretation id="interp0" emma:lang="" emma:confidence="1">
+                  <emma:literal/>
+                </emma:interpretation>
+              </emma:one-of>
+            </emma:emma>
+          </inkml:annotationXML>
+          <inkml:trace contextRef="#ctx0" brushRef="#br0">0 35 1453 0,'0'0'201'0,"0"0"-162"15,0 0-27-15,0 0-12 16,0 0 35-16,0 0 23 16,271-29 4-16,-173 29-15 15,0 0-9-15,0 0-19 16,-11 18-3-16,-15-2-9 16,-12 3 1-16,-15-7-7 15,-15 4-1-15,-11-8 0 16,-19 10-37-16,0-2-67 15,-7-5-114-15</inkml:trace>
+          <inkml:trace contextRef="#ctx0" brushRef="#br0" timeOffset="-274.675">10 573 1373 0,'0'0'191'0,"0"0"-140"15,0 0-51-15,0 0 7 16,0 0 44-16,0 0-13 0,264-23-7 16,-176 17-17-16,6-5-3 15,1-2-4-15,-9 3-7 16,-2-3 0-16,-18-3-13 16,-15-13-67-16,-18 0-219 15,-26 3-621-15</inkml:trace>
+          <inkml:trace contextRef="#ctx0" brushRef="#br0" timeOffset="-550.9024">189 82 1445 0,'0'0'183'0,"0"0"-113"15,0 0-42-15,0 0 21 16,0 0-9-16,0 0 4 16,0 0-24-16,-58-34 1 15,58 34-7-15,0 0 3 16,0 0-3-16,0 0-2 16,0 0-6-16,0 0-5 15,0 0 0-15,-4 5 6 16,4 24 3-16,-7 24 5 15,0 22-14-15,-8 12 6 16,4 13-6-16,-5 2 0 16,9 1 0-16,-1-9 5 0,4-12-5 15,4-17 6-15,0-20-6 16,0-14-1-16,12-9-8 16,15-9 7-16,18-3-8 15,15-10 2-15,22 0-7 16,25 0 8-16,13-10 6 15,15-3 1-15,5-4-1 16,-3 5 6-16,-13 7-4 16,-16 5-2-16,-20 0 0 15,-23 0-11-15,-29 0-39 16,-36 0-89-16,-7 0-41 16,-45 5-444-16</inkml:trace>
+          <inkml:trace contextRef="#ctx0" brushRef="#br0" timeOffset="1065.3993">1468 235 1189 0,'0'0'156'15,"0"0"-79"-15,0 0-36 16,0 0 8-16,0 0-14 16,0 0-22-16,-9 0-13 15,9 0 0-15,0 0-1 16,0 0 1-16,9 0 6 16,8 0 3-16,9 18-8 0,9 11 21 15,2 5-4-15,5 13 0 16,4 0-4-1,-4 0-1-15,3-5-12 0,-8-2 0 16,-4-6 0 0,-1-5 9-16,-10-5-10 0,-4-6-9 15,-9-18-84-15,-9 0-260 16,0 0-367-16</inkml:trace>
+          <inkml:trace contextRef="#ctx0" brushRef="#br0" timeOffset="1804.8932">1531 662 456 0,'0'0'193'0,"0"0"-136"0,0 0-44 16,0 0-12-16,0 0 21 16,0 0 1-16,0 0 1 15,0 5 36-15,0-5 38 16,0 0 29-16,3 0-29 16,6 0-25-16,8-5 2 15,10-13 27-15,8-6 12 16,10-10-47-16,8-8-33 0,11-5-17 15,3 0-4 1,5-6-5-16,3 6-7 16,9-11-1-16,-25 13-86 15,-17 14-313-15</inkml:trace>
+          <inkml:trace contextRef="#ctx0" brushRef="#br0" timeOffset="3532.6153">2666 368 355 0,'0'0'153'0,"0"0"-22"16,0 0 14-16,0 0 94 15,0 0-19-15,0 0-67 16,0 0-40-16,0 0-26 15,0 0-39-15,0 0-3 16,-15 0-30-16,-8 0-9 16,-3 0-6-16,-8 6 1 15,-4 17-1-15,-2 1 0 16,-2 12 1-16,0 6-1 16,8 3 0-16,8-3 0 15,7-2 0-15,15-9 1 16,4-5-1-16,4-2-1 15,29-6 0-15,16-5-23 0,32-13-73 16,-13 0-144-16,-12-13-156 0</inkml:trace>
+          <inkml:trace contextRef="#ctx0" brushRef="#br0" timeOffset="4845.7438">2481 486 948 0,'0'0'222'0,"0"0"-159"15,0 0-48-15,0 0-1 16,0 0-2-16,0 0 34 16,0 0 25-16,45 0-30 15,-25 0-9-15,2 0-13 16,5 0-8-16,-1 0 1 15,-3-8-11-15,-4 3 1 16,0 0-1-16,-5 5 1 0,-5-5-1 16,-2 5 0-1,-7 0 6-15,0 0-6 0,0-6 5 16,0-1 13-16,0-4 10 16,0 0-16-16,0-2-1 15,-4 3 7-15,-8 2 7 16,2 3-8-16,-3 0 5 15,3-1-14-15,-6 1-9 16,-3 0 2-16,-2 2-2 16,-2 3 0-16,-3 0-8 15,-2 0-37-15,-9 0-137 16,11 13-189-16,3-2-600 0</inkml:trace>
+          <inkml:trace contextRef="#ctx0" brushRef="#br0" timeOffset="5329.1783">3165 363 1109 0,'0'0'197'0,"0"0"-49"16,0 0-59-16,0 0-5 16,0 0-31-16,0 0-37 15,0 0-16-15,-19 13-9 16,22 21 9-16,16 6 0 15,1 2 1-15,-3 5-1 16,-1 0 0-16,-6-2 5 16,-4-9-5-16,-6-1 0 15,0-12 1-15,0-5 0 16,0-7 0-16,0-6 0 16,-13-5 12-16,3 0-7 15,-2-28-6-15,5-7-1 0,3-4 1 16,4 8 1-16,0-3 0 15,0 4 12-15,26 7 7 16,8-1-5-16,11 1-14 16,8 7 0-16,4 3 1 15,3 7-2-15,5-1 0 16,13-4-41-16,-13 11-131 16,-16-5-334-16</inkml:trace>
+          <inkml:trace contextRef="#ctx0" brushRef="#br0" timeOffset="5612.1967">4014 426 753 0,'0'0'302'16,"0"0"-51"-16,0 0-127 15,0 0-76-15,0 0 21 16,0 0-13-16,0 0-15 15,-175 47-16-15,134-19-13 16,3 10 18-16,5-4 1 16,6 9-3-16,12-2-18 15,8 4-3-15,7-9-6 16,0-2-1-16,33-10 0 16,19-8-1-16,10-14-43 0,9-2-1 15,38-23-62-15,-18-19-106 16,-16-5-270-16</inkml:trace>
+          <inkml:trace contextRef="#ctx0" brushRef="#br0" timeOffset="5993.0801">4315 90 1420 0,'0'0'180'0,"0"0"-135"16,0 0-45-16,0 0-23 15,0 0-99-15,0 0 32 16,0 0-129-16,150 5-394 0</inkml:trace>
+          <inkml:trace contextRef="#ctx0" brushRef="#br0" timeOffset="5827.9747">4360 450 1122 0,'0'0'239'15,"0"0"-120"-15,0 0-87 16,0 0 10-16,0 0-10 15,0 0-24-15,0 0-8 16,0 123 0-16,0-76 1 0,0 0 7 16,0-7-7-1,0-4-1-15,0-12 0 0,0-24-82 16,0 0-222-16,0-8-324 16</inkml:trace>
+          <inkml:trace contextRef="#ctx0" brushRef="#br0" timeOffset="6328.1347">5098 392 1058 0,'0'0'272'0,"0"0"-200"15,0 0-50-15,0 0-9 16,0 0 12-16,0 0 13 16,-213 65 30-16,187-49-27 0,6-3-24 15,17 0-8 1,3 8-9-16,0 3 0 0,26-1 0 16,11 2 0-1,5-1 0-15,-5 4 0 0,1-5 0 16,-12 1 0-16,-13 0 0 15,-13-3 1-15,0 5 57 16,-23 3-10-16,-19-6-20 16,-11 1-18-16,4-4-9 15,4-6-1-15,15-2-20 16,21-12-50-16,9-7-196 16,0-12-530-16</inkml:trace>
+          <inkml:trace contextRef="#ctx0" brushRef="#br0" timeOffset="6729.3871">5405 578 831 0,'0'0'734'0,"0"0"-625"16,0 0-87-16,0 0-21 15,0 0 0-15,0 0-1 16,0 0 1-16,154 19-1 15,-109-24 7-15,1-20-6 16,-4-3-1-16,-13-1-9 16,-9 5-1-16,-20 1-12 15,0 4 13-15,-7 3-5 16,-32 3 2-16,-6 3 5 0,-4 2 6 16,0 3 1-16,7 5 18 15,5 5 9-15,2 21-11 16,9 19-7-16,8 14-8 15,13 11 12-15,5 0-6 16,16-1 0 0,29-9-1-16,15-7-5 0,17-18 0 15,8-5 5-15,6-9-4 16,0-7 5-16,-8-9-7 16,-12-5-37-16,-22-11-153 15,-26-8-868-15</inkml:trace>
+        </inkml:traceGroup>
+        <inkml:traceGroup>
+          <inkml:annotationXML>
+            <emma:emma xmlns:emma="http://www.w3.org/2003/04/emma" version="1.0">
+              <emma:interpretation id="{751E3364-F0B9-471D-B6A1-C25AF03B8982}" emma:medium="tactile" emma:mode="ink">
+                <msink:context xmlns:msink="http://schemas.microsoft.com/ink/2010/main" type="inkWord" rotatedBoundingBox="6881,17567 6884,17568 6883,17644 6881,17644"/>
+              </emma:interpretation>
+              <emma:one-of disjunction-type="recognition" id="oneOf1">
+                <emma:interpretation id="interp1" emma:lang="" emma:confidence="1">
+                  <emma:literal/>
+                </emma:interpretation>
+              </emma:one-of>
+            </emma:emma>
+          </inkml:annotationXML>
+          <inkml:trace contextRef="#ctx0" brushRef="#br0" timeOffset="8154.1455">6834 439 1438 0,'0'0'223'0,"0"0"-164"0,0 0-44 15,0 0-12 1,0 0-3-16,0 0-21 0,0 24-93 15,0-1-117 1,-3 6-372-16</inkml:trace>
+        </inkml:traceGroup>
+        <inkml:traceGroup>
+          <inkml:annotationXML>
+            <emma:emma xmlns:emma="http://www.w3.org/2003/04/emma" version="1.0">
+              <emma:interpretation id="{F81C49D2-42BB-4672-8ED6-CE5C2CD5AF06}" emma:medium="tactile" emma:mode="ink">
+                <msink:context xmlns:msink="http://schemas.microsoft.com/ink/2010/main" type="inkWord" rotatedBoundingBox="7830,17165 11218,17197 11209,18163 7821,18130"/>
+              </emma:interpretation>
+              <emma:one-of disjunction-type="recognition" id="oneOf2">
+                <emma:interpretation id="interp2" emma:lang="" emma:confidence="1">
+                  <emma:literal/>
+                </emma:interpretation>
+              </emma:one-of>
+            </emma:emma>
+          </inkml:annotationXML>
+          <inkml:trace contextRef="#ctx0" brushRef="#br0" timeOffset="11087.4714">10479 499 978 0,'0'0'149'0,"0"0"-95"0,0 0 1 16,0 0 135-16,0 0-25 16,0 0-83-16,-205-31-40 15,175 31-16-15,1 13-4 16,-3 16-7-16,2 5-6 15,8 14 2-15,2 4-2 16,10 6-2-16,10-6 5 16,0 1-12-16,0-11 1 15,16-19-1-15,17-7 1 16,5-16-1-16,6 0-6 16,2-27-2-16,-1-14-21 15,-6-1 3-15,-10 0 10 16,-6 13 10-16,-12 13 6 15,-3 11 1-15,-8 5-1 16,4 0 1-16,-1 0-1 0,4 21 0 16,9 15 0-16,3-1 2 15,11 7-1-15,0-8 0 16,8-11-1-16,15-12-27 16,-11-11-126-16,-9 0-338 0</inkml:trace>
+          <inkml:trace contextRef="#ctx0" brushRef="#br0" timeOffset="11632.6498">10802 397 1498 0,'0'0'223'0,"0"0"-185"16,0 0-38-1,0 0 1-15,235 0 4 0,-149 0-5 16,31 0 0-16,-23 0-99 15,-18-16-298-15</inkml:trace>
+          <inkml:trace contextRef="#ctx0" brushRef="#br0" timeOffset="11444.2505">11103 59 970 0,'0'0'189'0,"0"0"-74"16,0 0-78-16,0 0 7 15,0 0 1-15,0 0-29 16,0 0-7-16,0 12 7 16,0 23 43-16,0 17 8 15,0 19-9-15,-7 5-13 0,-3 11-10 16,1 2-23-1,2 3 3-15,4-3-14 0,-1-2 12 16,4-11-7-16,0-5-6 16,0-8 0-16,0-27-37 15,4-12-150-15,-1-19-376 16</inkml:trace>
+          <inkml:trace contextRef="#ctx0" brushRef="#br0" timeOffset="12020.1962">11613 520 836 0,'0'0'716'0,"0"0"-643"16,0 0-62-16,0 0-11 16,0 0 0-16,0 0 0 0,0 0 0 15,224 111 1-15,-188-111 5 16,-1 0-4-16,-8-11 5 16,-13-17 0-16,-2-9-7 15,-12-3 0-15,0-7 0 16,0 0-2-16,-23 7-14 15,-7 9-7-15,-8 15 16 16,-1 16 2-16,3 0 5 16,-3 16 2-16,2 26-1 15,8 5 0-15,1 6-1 16,10 5 9-16,13-6-8 0,5 0 19 16,9-10-8-16,40-2-12 15,14-9 6 1,17-7 21-16,15-14 1 0,6-4-15 15,53-12-13-15,-21-28-17 16,-25-8-180-16</inkml:trace>
+          <inkml:trace contextRef="#ctx0" brushRef="#br0" timeOffset="9954.1533">8857 376 773 0,'30'-158'238'0,"-30"158"-151"16,0 0-52-16,0 0 27 16,0 0-5-1,0 0-18-15,0 0 20 0,0 0 43 16,0 0 1-16,0 0-41 16,-7 0-24-16,-9 0-26 15,-3-2-12-15,-8-14 1 16,-6-8 0-16,-9 1-1 15,-3-1 0-15,-8 6 0 16,4-3 0-16,-3 13 11 16,3 3 8-16,0 5-8 15,0 0-2-15,0 18-9 16,-6 22-2-16,6 1 1 16,4 18 1-16,1 0-1 0,2 10-1 15,12 7 2 1,8 5 0-16,13 1 0 15,9-3 0-15,12-6 1 0,37-7 0 16,11-22 0-16,17-7-1 16,5-19 1-16,12-13 5 15,-3-5-6-15,-1-5-23 16,16-42-36-16,-27 5-141 16,-23 3-370-16</inkml:trace>
+          <inkml:trace contextRef="#ctx0" brushRef="#br0" timeOffset="9468.9673">8857 376 2 0,'0'0'59'0,"0"0"40"0,0 0-99 0</inkml:trace>
+          <inkml:trace contextRef="#ctx0" brushRef="#br0" timeOffset="10594.0396">9007 510 1222 0,'0'0'181'15,"0"0"-175"-15,0 0-6 16,0 0 0-16,0 0-8 16,0 0 8-16,49 152 0 15,-26-99 0-15,-9-6 0 16,-2 0 0-16,-8-7 0 16,-4-12 0-16,0-9 1 15,0-8 23-15,0-11 29 0,0 0-22 16,0-19-31-1,0-20-41-15,0-9 8 0,19-4 17 16,14 5 10-16,6 7 5 16,6 9-1-16,-1 16 1 15,1 3-7-15,4 12 7 16,-3 0 0-16,3 16 0 16,0 2 1-16,0 1 0 15,0 2 1-15,-4-3 0 16,1-7 1-16,-8-3-1 15,-4-3 0-15,-8-5 0 16,-3 0 1-16,-4-5-2 16,-12-19 7-16,-7 0-7 0,0-5 1 15,0-2 9 1,-23 5-8-16,-10 2 4 0,-2 11-6 16,-2 2 2-16,-1 11 40 15,4 0-20-15,-1 0 47 16,9 34-23-16,3 3-6 15,9 16-19-15,2 5-13 16,12-6-7-16,0-7 4 16,0-3-5-16,19-8 0 15,11-15-1-15,9-12-6 16,29-14-44-16,-12-28-75 16,-4-7-369-16</inkml:trace>
+        </inkml:traceGroup>
+        <inkml:traceGroup>
+          <inkml:annotationXML>
+            <emma:emma xmlns:emma="http://www.w3.org/2003/04/emma" version="1.0">
+              <emma:interpretation id="{B209BA22-34EF-4161-B4B8-20B67B7C3441}" emma:medium="tactile" emma:mode="ink">
+                <msink:context xmlns:msink="http://schemas.microsoft.com/ink/2010/main" type="inkWord" rotatedBoundingBox="11763,17109 14296,17133 14288,18035 11754,18011"/>
+              </emma:interpretation>
+              <emma:one-of disjunction-type="recognition" id="oneOf3">
+                <emma:interpretation id="interp3" emma:lang="" emma:confidence="1">
+                  <emma:literal/>
+                </emma:interpretation>
+              </emma:one-of>
+            </emma:emma>
+          </inkml:annotationXML>
+          <inkml:trace contextRef="#ctx0" brushRef="#br0" timeOffset="13310.3125">13341 884 1111 0,'0'0'156'16,"0"0"-101"-16,0 0-39 16,0 0 16-16,-136-193 91 0,106 128-41 15,7-11-34-15,11-6-22 16,12-5-13-16,0 0-6 16,5 3-6-16,29 9-1 15,4 11 1-15,-1 17 1 16,1 18 4-16,-4 16-5 15,1 13-1-15,1 0 0 16,6 24 0-16,11 23 1 16,-1 6 6-16,-3 11-6 15,0 1 7-15,-10-8-1 16,-9-4-6-16,-11-11 0 16,-5-8 5-16,-5-11-5 15,-6-15 0-15,4-3 0 16,0-5-1-16,9 0-1 15,10-29 1-15,13-2 0 16,6-19 1-16,4-3-2 16,3-1 1-16,-3 1-19 0,0 6 11 15,-7 13 8-15,-5 10-1 16,-7 19 0-16,-7 5-12 16,-1 0 13-16,-6 36 0 15,3 17 25-15,-8 21-9 16,1 7 3-16,-1 8 4 15,-8-2-2-15,1-3-8 16,-4-8-12-16,0-13 6 16,0-16-6-16,0-13-1 15,0-34-35-15,0 0-118 0,0-23-484 16</inkml:trace>
+          <inkml:trace contextRef="#ctx0" brushRef="#br0" timeOffset="13776.5216">15179 515 1083 0,'0'0'192'16,"0"0"-127"-16,0 0-34 15,0 0 7-15,0 0 31 0,-193-81 8 16,144 62-2-16,0 14-23 16,4 0-8-16,6 5-12 15,6 0-9-15,7 0-4 16,10 16-6-16,5 13-6 16,6 13-7-16,5 5 0 15,0 0 1-15,9-2-1 16,21-9 1-16,8-7-1 15,-1-16-18-15,8-13-2 16,1 0 1-16,3-13-3 16,-7-21-2-16,-2 3 11 15,-8 2 12-15,-11 0-1 0,-2 13-5 16,-10 9 7 0,-2 7-6-16,0 0-2 0,0 0-4 15,8 23 11-15,8 6 0 16,7 13 1-16,8-8 0 15,4-3-7-15,18-20-42 16,-11-6-174-16,-7-5-429 0</inkml:trace>
+          <inkml:trace contextRef="#ctx0" brushRef="#br0" timeOffset="14190.1976">15646 783 1288 0,'0'0'222'0,"0"0"-175"0,0 0-47 15,0 0 0-15,0 0 33 16,0 0 13-16,0 0-8 15,222-110-20-15,-147 68-5 16,0-3-6-16,9 3-6 16,-5-3-1-16,-7 14-1 15,3 2-51-15,-22 11-236 16,-18 7-688-16</inkml:trace>
+          <inkml:trace contextRef="#ctx0" brushRef="#br0" timeOffset="13974.275">15646 392 1239 0,'0'0'336'0,"0"0"-248"16,0 0-74-16,94 152-13 16,-41-94 0-16,6 7 9 15,9-7-4-15,-3-5-4 16,-5-11-1-16,-11-8-1 16,-11-21-38-16,-12-8-142 15,-19-5-416-15</inkml:trace>
+        </inkml:traceGroup>
+        <inkml:traceGroup>
+          <inkml:annotationXML>
+            <emma:emma xmlns:emma="http://www.w3.org/2003/04/emma" version="1.0">
+              <emma:interpretation id="{B6396BBD-CB37-4FF0-A2A8-F9F5C52EF315}" emma:medium="tactile" emma:mode="ink">
+                <msink:context xmlns:msink="http://schemas.microsoft.com/ink/2010/main" type="inkWord" rotatedBoundingBox="15295,16931 17487,16952 17475,18198 15283,18176"/>
+              </emma:interpretation>
+              <emma:one-of disjunction-type="recognition" id="oneOf4">
+                <emma:interpretation id="interp4" emma:lang="" emma:confidence="1">
+                  <emma:literal/>
+                </emma:interpretation>
+              </emma:one-of>
+            </emma:emma>
+          </inkml:annotationXML>
+          <inkml:trace contextRef="#ctx0" brushRef="#br0" timeOffset="16294.3735">19285-186 1498 0,'0'0'227'0,"0"0"-224"16,0 0-3-16,0 0-13 16,0 0-47-16,0 0-296 0</inkml:trace>
+          <inkml:trace contextRef="#ctx0" brushRef="#br0" timeOffset="16159.2095">19331 287 1423 0,'0'0'221'0,"0"0"-157"16,0 0-43-16,0 0-4 15,0 0 15-15,-4 165-7 16,1-97-12-16,3 4-4 16,0-10-2-16,0-1-1 15,0-9-6-15,0-12 1 16,0-4-2-16,0-18 0 15,0-7-63-15,0-29-75 16,0-27-205-16,-4-10-477 0</inkml:trace>
+          <inkml:trace contextRef="#ctx0" brushRef="#br0" timeOffset="16741.7123">19919 423 1322 0,'0'0'260'0,"0"0"-175"16,0 0-70-16,0 0-12 16,0 134-2-16,0-81 8 15,12-1-7-15,-2-5-1 16,3-2 6-16,-3-16-7 15,-3-3 0-15,2-10 0 16,-2-6 0-16,0-2 0 16,2-8-1-16,1 0 1 15,9 0-1-15,4-18 1 16,7-11-1-16,8 0 1 0,2-7 0 16,9 7 1-1,6 0-2-15,-3 5 1 0,-3 6 0 16,0 3 1-16,-7 3-1 15,-12 5 0-15,-7 2 0 16,-9 5 0-16,-6 0 0 16,-8 0 0-16,0 0-1 15,0 5 1-15,0 29 0 16,0 13 1-16,0 18 0 16,-8 12 0-16,1-9 6 15,7-7-7-15,0-4 0 16,0-15-180-16,12-21-898 0</inkml:trace>
+          <inkml:trace contextRef="#ctx0" brushRef="#br0" timeOffset="15317.594">17747 919 1079 0,'0'0'517'0,"0"0"-407"0,0 0-45 15,0 0-7 1,0 0 11-16,0 0-37 0,0 0-19 15,-42-7 5-15,42-17-5 16,0-15-13-16,0-27 0 16,0-21-1-16,0-36-10 15,0 2-12-15,0-2-52 16,7-1 33-16,9 32 26 16,3 14 15-16,-1 20 1 15,-3 25 1-15,5 7 0 16,-6 17 1-16,5 6-2 15,0 3 1-15,7 0-1 16,1 19 0-16,8 17 2 0,-2 9-1 16,5 8 0-1,3-1 0-15,-3-5-1 0,-1 5 0 16,-2-9 0-16,-2-9 0 16,-3-5 1-16,1-16-1 15,-1-13 0-15,7 0 0 16,5-24-2-16,3-18-25 15,8-16-17-15,5-2-1 16,-9 5 26-16,-6 13 13 16,-8 13 5-16,-12 16 1 15,-9 2-1-15,-5 11 1 16,-2 0 0-16,-7 0 0 16,0 16 0-16,0 26 45 15,0 21 2-15,0 26-27 16,0 11-7-16,-16 16-4 0,-7-4 0 15,2-7 0 1,2-12 4-16,10-10-3 0,6-13-3 16,3-13-7-16,0-21 0 15,8-18-28-15,10-7-73 16,-9-11-484-16</inkml:trace>
+        </inkml:traceGroup>
+        <inkml:traceGroup>
+          <inkml:annotationXML>
+            <emma:emma xmlns:emma="http://www.w3.org/2003/04/emma" version="1.0">
+              <emma:interpretation id="{C0943D8F-DFDC-40AC-A98D-4CA379496199}" emma:medium="tactile" emma:mode="ink">
+                <msink:context xmlns:msink="http://schemas.microsoft.com/ink/2010/main" type="inkWord" rotatedBoundingBox="18409,17000 19458,17010 19443,18558 18395,18548"/>
+              </emma:interpretation>
+              <emma:one-of disjunction-type="recognition" id="oneOf5">
+                <emma:interpretation id="interp5" emma:lang="" emma:confidence="1">
+                  <emma:literal/>
+                </emma:interpretation>
+              </emma:one-of>
+            </emma:emma>
+          </inkml:annotationXML>
+          <inkml:trace contextRef="#ctx0" brushRef="#br0" timeOffset="19375.7899">21782 667 874 0,'0'0'286'0,"0"0"-138"0,0 0 20 16,0 0-24 0,0 0-68-16,0 0-28 0,0-10-13 15,0 10-8-15,0 0 5 16,-4 0-9-16,-6 0-5 15,-6 0 7-15,6 0-15 16,1 16-9-16,5 7-1 16,4 12-9-16,0 1 8 15,16 4-1-15,21 2 1 16,8-7-7-16,8-12 2 16,5-6 6-16,-2-6 0 15,-4-11-15-15,-3 0-4 16,-7-11 0-16,-16-12 6 15,-15-14 11-15,-11 3 2 16,0-11-1-16,-33 3 1 0,-20 1 0 16,-12-4 1-1,2 8-1-15,6 9 12 0,8 9 8 16,15 8 2 0,12 6-16-16,15 5 8 0,7 0-14 15,10 0-20-15,46 16 9 16,25-3 11-16,24 3 0 15,19-16-1-15,19 0 1 16,4-16-6-16,-3-20-16 16,-13-22 0-16,-21-6-7 15,-19-6 13-15,-28-6 10 16,-28-1 6-16,-24 1 5 16,-11 6-3-16,-7 12 11 15,-26 5-4-15,-9 19 37 0,7 16 13 16,5 5-18-16,7 10-25 15,9 3-6-15,2 22-10 16,8 24-1-16,4 25 1 16,0 26-1-16,0 40 1 15,27 31-1-15,11 27 1 16,-1-15 0-16,-11-33 0 16,-10-47 1-16,-16-32-1 15,0 8-1-15,0 1 1 16,-16-7 0-16,-14-12 1 15,-3-29-1-15,-5-22 0 16,-4-7 0-16,5-18 0 16,7-18-15-16,11-12 15 0,15 3 0 15,4-2 0-15,7 6-1 16,27 6 0-16,8 6 0 16,0 11 1-16,-2 7 0 15,5 4 0-15,-6 7-1 16,3 0-43-16,-9 0-75 15,-14 0-176-15</inkml:trace>
+        </inkml:traceGroup>
+        <inkml:traceGroup>
+          <inkml:annotationXML>
+            <emma:emma xmlns:emma="http://www.w3.org/2003/04/emma" version="1.0">
+              <emma:interpretation id="{8270A715-C8BD-4D7B-AF10-562A8145A343}" emma:medium="tactile" emma:mode="ink">
+                <msink:context xmlns:msink="http://schemas.microsoft.com/ink/2010/main" type="inkWord" rotatedBoundingBox="20655,17153 23743,17183 23727,18886 20639,18856"/>
+              </emma:interpretation>
+              <emma:one-of disjunction-type="recognition" id="oneOf6">
+                <emma:interpretation id="interp6" emma:lang="" emma:confidence="1">
+                  <emma:literal/>
+                </emma:interpretation>
+              </emma:one-of>
+            </emma:emma>
+          </inkml:annotationXML>
+          <inkml:trace contextRef="#ctx0" brushRef="#br0" timeOffset="33206.2834">25995 573 753 0,'0'0'211'15,"0"0"-24"-15,0 0-16 0,0 0-13 16,0 0-20-16,0 0-48 16,-215-34-37-16,178 34-15 15,2 16 10-15,2 7-10 16,10 3-19-16,8 8-9 15,8 6-9-15,7-9-1 16,0-4 0-16,19-4 0 16,14-15-1-16,6-3-12 15,6-5-7-15,1 0 5 16,-3-10 8-16,3-9-9 16,-8-4-3-16,-8 5-3 15,-11 7 1-15,-5 3 14 16,-8 6 4-16,-6 2 3 15,0 0 0-15,0 0 2 16,0 15 8-16,0 14-4 0,0 5-5 16,7-2-1-16,8-3 1 15,3-6-1-15,13-8 0 16,22-15-60 0,-8-9-120-16,-8-20-419 0</inkml:trace>
+          <inkml:trace contextRef="#ctx0" brushRef="#br0" timeOffset="33493.694">26490 182 1030 0,'0'0'305'0,"0"0"-158"0,0 0-111 16,0 0 5-16,0 0 10 15,0 0-19-15,0 0-24 16,0 139 14-16,-8-55 15 16,1 8-2-16,0 3-12 15,-6 4-5-15,6-5-7 16,0-7 0-16,7-16-4 16,0-13-7-16,0-16 0 15,0-21-20-15,7-21-82 16,13-21-170-16,-6-16-558 0</inkml:trace>
+          <inkml:trace contextRef="#ctx0" brushRef="#br0" timeOffset="34040.0304">27206 709 1249 0,'0'0'262'15,"0"0"-163"-15,0 0-64 16,0 0-12-16,0 0 11 16,0 0-19-16,0 0-5 15,-68-60-9-15,54 49 0 0,-2 4 14 16,0 2-6-16,-1-1-2 15,-6 2 13-15,0-5-11 16,-6 6-2-16,2 1-5 16,-4 2 4-16,5 0-6 15,-1 0 2-15,5 5 8 16,-1 19 3-16,4 12-4 16,5 4-9-16,7 2 1 15,7 0 0-15,0-3-1 16,0-15 0-16,17-6-1 15,15-13 1-15,4-5-13 16,6 0-8-16,7-28-7 0,-3-9-15 16,-1-3 0-16,-8 1 5 15,-11 13 22-15,-10 10 15 16,-9 8 1 0,-7 8 7-16,0 0 25 0,0 8-4 15,0 16-6-15,0 10 1 16,0 0-11-16,12-3-12 15,-1-2 0-15,8-8 0 16,4-1-29-16,7-20-41 16,-8 0-151-16,-6 0-465 0</inkml:trace>
+          <inkml:trace contextRef="#ctx0" brushRef="#br0" timeOffset="32733.9908">25705 176 1175 0,'0'0'163'0,"0"0"-72"15,0 0-58-15,0 0-5 16,0 0-9-16,0 0-6 16,0 0-4-16,-170-89 8 15,137 73 5-15,-6-2 26 16,-1 5-10-16,-11 8-27 16,-5 0-9-16,-3 5-1 15,-6 0 0-15,0 5 0 16,6 13 0-16,6 11 8 15,11 0 4-15,16 5-12 16,14 8 0-16,12-5-1 16,0 8 1-16,35-9-2 15,17 4 1-15,13-4 0 16,10-2-7-16,1 1 7 0,-5-4 0 16,-11 3 0-16,-11 1 0 15,-18-7 0-15,-20-2 0 16,-11 1 1-16,-19-1 4 15,-34-2-4-15,-22 2 7 16,-16-2 13-16,-7-6 2 16,-7 0-10-16,7-2 2 15,4 2 13-15,18-12-5 16,19 1-13-16,20-1 5 16,18-6-15-16,15 0-9 15,15-24-85-15,34-18-162 16,8-10-121-16</inkml:trace>
+          <inkml:trace contextRef="#ctx0" brushRef="#br0" timeOffset="34691.6722">27526 468 1318 0,'0'0'222'0,"0"0"-168"16,0 0-47-16,0 0 5 16,0 0 6-16,23 158 8 15,-7-106-7-15,0-5-13 16,-6-5-4-16,6-8-2 15,-9 0 2-15,0-15-1 16,-7-6 5-16,0-8 1 16,0 0 0-16,0-5 5 15,0 0 3-15,9-5-15 0,1-24-5 16,9-5-9-16,11-3 6 16,5 3 7-16,2 11 0 15,1-1 0-15,-4 11 0 16,-8 2-8-16,-7 11 9 15,0 0-1-15,-8 0 0 16,1 0 1-16,-1 6 10 16,-4 12 11-16,5 6-7 15,-2 4-3-15,3 1-4 16,-3 0 5-16,2 0-11 16,2-1 6-16,5-9-7 15,4 0 1-15,7-8 0 16,8-6-1-16,15-5 0 0,12-5-7 15,1-18-16-15,11-12-2 16,-5 6-9-16,-13 5 10 16,-10 6 16-16,-15 7 7 15,-12-2 0-15,-13 8 1 16,-5 5 6-16,-4 0 55 16,0 0 20-16,-4 0 2 15,-27 34-46-15,-13 18-24 16,-14 25-12-16,-5 17 0 15,-5 16 0-15,7 3 0 16,8 3 5-16,8-6 0 16,15-9-6-16,7-21 1 0,16-20-1 15,7-20-20-15,0-22-116 16,11-18-270-16</inkml:trace>
+        </inkml:traceGroup>
+      </inkml:traceGroup>
+      <inkml:traceGroup>
+        <inkml:annotationXML>
+          <emma:emma xmlns:emma="http://www.w3.org/2003/04/emma" version="1.0">
+            <emma:interpretation id="{287C6E61-65FD-4353-88A2-F899730B2AFC}" emma:medium="tactile" emma:mode="ink">
+              <msink:context xmlns:msink="http://schemas.microsoft.com/ink/2010/main" type="line" rotatedBoundingBox="8871,18188 11716,18243 11704,18847 8859,18791"/>
+            </emma:interpretation>
+          </emma:emma>
+        </inkml:annotationXML>
+        <inkml:traceGroup>
+          <inkml:annotationXML>
+            <emma:emma xmlns:emma="http://www.w3.org/2003/04/emma" version="1.0">
+              <emma:interpretation id="{E80D61E4-440F-4DDD-A447-997E5C4EBA1C}" emma:medium="tactile" emma:mode="ink">
+                <msink:context xmlns:msink="http://schemas.microsoft.com/ink/2010/main" type="inkWord" rotatedBoundingBox="8871,18188 10694,18223 10682,18827 8859,18791"/>
+              </emma:interpretation>
+              <emma:one-of disjunction-type="recognition" id="oneOf7">
+                <emma:interpretation id="interp7" emma:lang="" emma:confidence="1">
+                  <emma:literal/>
+                </emma:interpretation>
+              </emma:one-of>
+            </emma:emma>
+          </inkml:annotationXML>
+          <inkml:trace contextRef="#ctx0" brushRef="#br0" timeOffset="39061.5517">10934 1292 1267 0,'0'0'222'0,"0"0"-168"15,0 0-40-15,0 0 27 16,0 0 3-16,0 0-31 16,0 0-8-16,-109 0-5 15,57 6 0-15,-6 12 2 16,2 0 6-16,14 6 10 15,12-1 5-15,15-1-2 16,15 3-20-16,0 2-1 16,28 4 0-16,12-2 0 0,5-5-1 15,-3-1-8-15,-5-7-2 16,-14-3 5-16,-8-7 5 16,-15-1 1-16,0 3 12 15,-19 3 20-15,-26 6-16 16,-8-6-4-16,-3 0 5 15,-1-4-8-15,4-1 0 16,13-1-9-16,8-5 0 16,15 0 0-16,17 0-54 15,0-24-161-15,10 1-135 16,13-1-214-16</inkml:trace>
+          <inkml:trace contextRef="#ctx0" brushRef="#br0" timeOffset="38573.7816">10097 1334 575 0,'0'0'120'0,"0"0"-74"0,0 0 4 16,0 0 106-16,0 0-7 15,0 0-68-15,-3 0-36 16,3 0 7-16,-5 0 9 15,5 0-7-15,0 0-27 16,0 0-15-16,0 0-11 16,0 0 0-16,0 0 5 15,0 0 2-15,0 0 1 16,0 0 0-16,0 0 16 16,0 0 46-16,0 0 6 15,0 0-16-15,0 0-4 16,-4 0-13-16,-6 5-13 15,-10 8-21-15,-6 9-9 16,-7-4-1-16,-6 6 6 16,-6-1-5-16,-8 6 0 0,-3-5-1 15,-5-1 3-15,-2-6-2 16,5-5 0 0,2-7 8-16,11-5-7 0,3 0-1 15,12 0 6-15,7 0-6 16,8 0 5-16,4 0 1 15,8 0-5-15,-1 0-1 16,4 0-1-16,0 0-8 16,0 0-8-16,0-10-1 15,26-3 11-15,11-3 5 16,9-2 0-16,3-1 0 16,3 1 1-16,6-3-1 15,-2-3 1-15,-4 1-2 16,1-1 1-16,-11 6 0 0,-7 3 1 15,-9 1 0-15,-15 4-13 16,-8-4 7-16,-3 3 5 16,0-6 1-16,-26-2-17 15,-11-5-5-15,-5 8 22 16,-3-2 10-16,3 13 2 16,5 5 8-16,2 0 4 15,12 5 2-15,13 23-8 16,10 10-17-16,0 7-1 15,19 7-1-15,30 8-1 16,10-7 1-16,10-6 0 16,-1-13 1-16,0-6 0 0,-5-16-18 15,-5-12-30 1,1-28-79-16,-10-18-200 0,-14-7-533 16</inkml:trace>
+          <inkml:trace contextRef="#ctx0" brushRef="#br0" timeOffset="42192.7008">11292 1421 985 0,'0'0'150'16,"0"0"-108"-16,0 0-30 15,0 0 31-15,0 0 37 16,0 0-8-16,0 0-3 16,-33 0-29-16,24 0-5 15,2 0-20-15,0 0-14 16,-5 0 0-16,-2 0 1 15,-5-5 5-15,0 5 41 0,-1 0 7 16,6 0-7-16,-1-6-21 16,11 6-3-16,1 0 0 15,3 0-24-15,0 0 0 16,0 0-29-16,0-5 10 16,0-3 8-16,10 3 10 15,2 0 0-15,-5 5-5 16,-3-6 6-16,-1 6 0 15,3 0 2-15,4 0-2 16,6 0 1-16,7 0-1 16,6-7 0-16,13-4 1 15,11-2-1-15,-8-3-123 16,-11 3-433-16</inkml:trace>
+          <inkml:trace contextRef="#ctx0" brushRef="#br0" timeOffset="41445.1353">11383 1264 776 0,'0'0'327'0,"0"0"-168"15,0 0-24-15,0 0-30 16,0 0-28-16,0 0-34 16,0 0-25-16,-33 10-8 15,33-10-9-15,0 0 0 16,0 0 0-16,0 0 0 15,0 0 0-15,4 0 0 0,10 0-1 16,1 0 2-16,5 0-1 16,6 0 0-16,7 0 0 15,2 0 6-15,2 0-7 16,5 0 1-16,-5 0 0 16,1 0 0-16,-5 0 0 15,-6 0 0 1,-5-10-1-16,-2-9 0 0,-13-2-6 15,-7-4-5-15,0-3 1 16,0 5 1-16,-21 4 8 16,-11 1 0-16,-1 7 1 15,-2 4 6-15,5 7 0 16,0 0-4-16,4 0 16 16,3 0 7-16,8 0-12 15,8 0-12-15,3 0 0 0,1 0 0 16,3 0 0-16,-9 13-1 15,2 0 0-15,0 8-1 16,-2 3 2-16,-1-1-1 16,3 5 0-16,-2 2 1 15,5 1-1-15,1 3 0 16,3 6 1-16,-4 2-1 16,4-6 0-16,-7 4 0 15,-1-1 0-15,1-7 1 16,-4-9 15-16,2-1-7 15,2-15 4-15,4-1 6 16,-1-1-4-16,4-5-9 16,0 0-6-16,0 0-8 0,0 0-43 15,0-5-38 1,0-14-116-16,7 3-454 0</inkml:trace>
+          <inkml:trace contextRef="#ctx0" brushRef="#br0" timeOffset="43418.7103">11368 1481 727 0,'0'0'303'0,"0"0"-180"15,0 0-95-15,0 0-28 16,0 0-1-16,0 0 0 16,0 0 0-16,0 0 1 15,0 0-1-15,0 0 1 16,0 0 0-16,0 5 0 15,0 6 1-15,0-1 35 16,0-2 21-16,0 3-12 16,0 2-13-16,0 4-13 15,0-11 5-15,0 10 7 16,0-8 5-16,0 3 8 16,0-1-10-16,0-2-10 15,0-2-10-15,0-1 14 16,0-5-9-16,0 0-13 0,0 0-6 15,0 0-40 1,0-11-130-16,0-7-321 0,0-1 129 0</inkml:trace>
+          <inkml:trace contextRef="#ctx0" brushRef="#br0" timeOffset="39512.2966">11376 1205 1290 0,'0'0'295'16,"0"0"-170"-16,0 0-78 15,0 0-2-15,0 0-20 16,0 0-18-16,0 0-7 0,-5 76 1 16,2-41 1-1,3-6-1-15,-4 7 6 0,1-7-5 16,-1 0 5-16,1-13-6 16,3-3-1-16,0-8 1 15,0 1-1-15,7-4-1 16,19 3 0-16,7-5-9 15,2 0 2-15,2-5 7 16,1-8 0-16,1 0 0 16,-9 2 0-16,-4 6 1 15,-12 5-1-15,-2 0 1 16,-8 11 0-16,-4 25 0 16,0 4 0-16,0 6 1 15,0-3 0-15,0-4-1 16,-4-15-12-16,-3-13-68 0,-2-9-133 15,2-2-431-15</inkml:trace>
+        </inkml:traceGroup>
+        <inkml:traceGroup>
+          <inkml:annotationXML>
+            <emma:emma xmlns:emma="http://www.w3.org/2003/04/emma" version="1.0">
+              <emma:interpretation id="{6C689D8F-3A17-406D-A8E9-94267DD38060}" emma:medium="tactile" emma:mode="ink">
+                <msink:context xmlns:msink="http://schemas.microsoft.com/ink/2010/main" type="inkWord" rotatedBoundingBox="10423,18250 10545,18253 10543,18358 10421,18356"/>
+              </emma:interpretation>
+              <emma:one-of disjunction-type="recognition" id="oneOf8">
+                <emma:interpretation id="interp8" emma:lang="" emma:confidence="0.5">
+                  <emma:literal>.</emma:literal>
+                </emma:interpretation>
+                <emma:interpretation id="interp9" emma:lang="" emma:confidence="0">
+                  <emma:literal>7</emma:literal>
+                </emma:interpretation>
+                <emma:interpretation id="interp10" emma:lang="" emma:confidence="0">
+                  <emma:literal>?</emma:literal>
+                </emma:interpretation>
+                <emma:interpretation id="interp11" emma:lang="" emma:confidence="0">
+                  <emma:literal>9</emma:literal>
+                </emma:interpretation>
+                <emma:interpretation id="interp12" emma:lang="" emma:confidence="0">
+                  <emma:literal>£</emma:literal>
+                </emma:interpretation>
+              </emma:one-of>
+            </emma:emma>
+          </inkml:annotationXML>
+          <inkml:trace contextRef="#ctx0" brushRef="#br0" timeOffset="44341.859">11530 1229 735 0,'0'0'299'0,"0"0"-183"16,0 0-44-16,0 0-18 15,0 0-37-15,0 0-17 16,0 0-2-16,20 0 1 15,-17 0 0-15,-3 0 1 16,4 0 1-16,-4 0 12 16,0 0 49-16,0 0 14 0,0 0-5 15,0 0-36-15,0-5-34 16,0 5-1-16,3-3-32 16,-3-3 1-16,4 2 18 15,-4-2 3-15,0 1 8 16,0 5 2-16,0-1 0 15,0-5 1-15,0 6-1 16,0-6 0-16,0 6 0 16,0-5 0-16,0 5-1 15,0 0 0-15,0 0 0 16,0 0 1-16,0 0 7 16,0 0 9-16,0 0-15 15,0 0 0-15,0 0-1 16,0 0 0-16,0-5-1 15,0 5 1-15,0-6-1 0,5 6 1 16,-5-2 0-16,0 2 1 16,0-5 17-16,0 5-5 15,0-6-12-15,0 1 9 16,0-3-9-16,-5 3-1 16,1 0-1-16,4-1 0 15,-3 1 1-15,3 5 1 16,-4 0 13-16,-3 0 29 15,-2 0-16-15,-1 0-12 16,-6 0-9-16,-3 5 5 16,1 6-5-16,-4 2 17 15,2-2-15-15,5 2-1 0,8-8-7 16,7 6 0 0,0-5-148-16,0-6-594 0</inkml:trace>
+        </inkml:traceGroup>
+        <inkml:traceGroup>
+          <inkml:annotationXML>
+            <emma:emma xmlns:emma="http://www.w3.org/2003/04/emma" version="1.0">
+              <emma:interpretation id="{6911AA5E-DAAE-4906-8CCB-51284BA58C50}" emma:medium="tactile" emma:mode="ink">
+                <msink:context xmlns:msink="http://schemas.microsoft.com/ink/2010/main" type="inkWord" rotatedBoundingBox="10771,18431 11712,18450 11705,18788 10765,18770"/>
+              </emma:interpretation>
+              <emma:one-of disjunction-type="recognition" id="oneOf9">
+                <emma:interpretation id="interp13" emma:lang="" emma:confidence="1">
+                  <emma:literal/>
+                </emma:interpretation>
+              </emma:one-of>
+            </emma:emma>
+          </inkml:annotationXML>
+          <inkml:trace contextRef="#ctx0" brushRef="#br0" timeOffset="39942.6479">11938 1403 523 0,'0'0'673'16,"0"0"-488"-16,0 0-83 0,0 0 15 15,0 0-44-15,0 0-38 16,0 0-14 0,-79 0-11-16,79 13-3 0,0-3-6 15,0 14-1-15,0-1 0 16,0 6 0-16,18 2 0 15,8 8 0-15,6-9 0 16,1-6-1-16,9-12 0 16,-2-6-18-16,6-6 1 15,-8 0 5-15,-8-18-3 16,-7-1 6-16,-11-2 3 16,-12-3 7-16,0 6 8 15,-9 0 6-15,-21 2 27 16,-8 3-16-16,-2 2-10 15,-2-2 1-15,-4 8-7 0,9 0-8 16,2-1-1-16,13 6 0 16,15 0 0-16,7 0-30 15,10 11-85-15,29 2-46 16,-1 3-335-16</inkml:trace>
+          <inkml:trace contextRef="#ctx0" brushRef="#br0" timeOffset="40424.925">12484 1416 1232 0,'0'0'335'0,"0"0"-235"16,0 0-69-16,0 0 1 15,0 0 2-15,0 0-23 0,0 0-10 16,0 34 0-16,5-5 8 15,-1 2 1-15,3-2-9 16,3-6 5-16,2 1-6 16,8-8 1-16,2-11 0 15,8 3-1-15,0-8 0 16,8 0-8-16,3-18 1 16,1-7-6-16,0 2-2 15,-6 6 9-15,-4 6-8 16,-9 5 1-16,-9 6-5 15,-6 0 11-15,-8 11 7 0,0 12 1 16,0 0 0 0,0 2 1-16,0-15-2 0,7 4 0 15,4-14 0 1,5 0 0-16,3 0 0 0,-2 0 0 16,-1-6-1-16,0-12 1 15,-6-1 12-15,6-3 3 16,-5-8-4-16,1 1-10 15,-5 0 9-15,0-5-9 16,2 3-1-16,-6 2-26 16,-3 5-32-16,0 8-149 15,-12 3-357-15</inkml:trace>
+        </inkml:traceGroup>
+      </inkml:traceGroup>
+    </inkml:traceGroup>
+  </inkml:traceGroup>
+</inkml:ink>
+</file>
+
+<file path=ppt/ink/ink2.xml><?xml version="1.0" encoding="utf-8"?>
+<inkml:ink xmlns:inkml="http://www.w3.org/2003/InkML">
+  <inkml:definitions>
+    <inkml:context xml:id="ctx0">
+      <inkml:inkSource xml:id="inkSrc0">
+        <inkml:traceFormat>
+          <inkml:channel name="X" type="integer" max="32767" units="cm"/>
+          <inkml:channel name="Y" type="integer" max="32767" units="cm"/>
+          <inkml:channel name="F" type="integer" max="4095" units="deg"/>
+          <inkml:channel name="T" type="integer" max="2.14748E9" units="dev"/>
+        </inkml:traceFormat>
+        <inkml:channelProperties>
+          <inkml:channelProperty channel="X" name="resolution" value="2155.72363" units="1/cm"/>
+          <inkml:channelProperty channel="Y" name="resolution" value="3449.15796" units="1/cm"/>
+          <inkml:channelProperty channel="F" name="resolution" value="11.375" units="1/deg"/>
+          <inkml:channelProperty channel="T" name="resolution" value="1" units="1/dev"/>
+        </inkml:channelProperties>
+      </inkml:inkSource>
+      <inkml:timestamp xml:id="ts0" timeString="2022-04-19T02:59:36.943"/>
+    </inkml:context>
+    <inkml:brush xml:id="br0">
+      <inkml:brushProperty name="width" value="0.06667" units="cm"/>
+      <inkml:brushProperty name="height" value="0.06667" units="cm"/>
+      <inkml:brushProperty name="color" value="#ED1C24"/>
+      <inkml:brushProperty name="fitToCurve" value="1"/>
+    </inkml:brush>
+  </inkml:definitions>
+  <inkml:trace contextRef="#ctx0" brushRef="#br0">79 0 1365 0,'0'0'183'15,"0"0"-133"-15,0 0-33 16,0 0 25-16,0 0 28 16,0 0-16-16,0 0-36 15,-83 0-18-15,83 0-2 0,0 0-65 16,0 0-140-16,0 0-112 16,7 0-645-16</inkml:trace>
+</inkml:ink>
+</file>
+
+<file path=ppt/ink/ink3.xml><?xml version="1.0" encoding="utf-8"?>
+<inkml:ink xmlns:inkml="http://www.w3.org/2003/InkML">
+  <inkml:definitions>
+    <inkml:context xml:id="ctx0">
+      <inkml:inkSource xml:id="inkSrc0">
+        <inkml:traceFormat>
+          <inkml:channel name="X" type="integer" max="1920" units="cm"/>
+          <inkml:channel name="Y" type="integer" max="1080" units="cm"/>
+          <inkml:channel name="T" type="integer" max="2.14748E9" units="dev"/>
+        </inkml:traceFormat>
+        <inkml:channelProperties>
+          <inkml:channelProperty channel="X" name="resolution" value="50.3937" units="1/cm"/>
+          <inkml:channelProperty channel="Y" name="resolution" value="50.46729" units="1/cm"/>
+          <inkml:channelProperty channel="T" name="resolution" value="1" units="1/dev"/>
+        </inkml:channelProperties>
+      </inkml:inkSource>
+      <inkml:timestamp xml:id="ts0" timeString="2022-04-19T03:02:15.006"/>
+    </inkml:context>
+    <inkml:brush xml:id="br0">
+      <inkml:brushProperty name="width" value="0.06667" units="cm"/>
+      <inkml:brushProperty name="height" value="0.06667" units="cm"/>
+      <inkml:brushProperty name="color" value="#ED1C24"/>
+      <inkml:brushProperty name="fitToCurve" value="1"/>
+    </inkml:brush>
+  </inkml:definitions>
+  <inkml:traceGroup>
+    <inkml:annotationXML>
+      <emma:emma xmlns:emma="http://www.w3.org/2003/04/emma" version="1.0">
+        <emma:interpretation id="{628AB09B-F8F1-42B2-AFC3-7444B057A4CD}" emma:medium="tactile" emma:mode="ink">
+          <msink:context xmlns:msink="http://schemas.microsoft.com/ink/2010/main" type="inkDrawing" rotatedBoundingBox="1547,18471 5980,18499 5979,18567 1546,18539" semanticType="underline" shapeName="Other">
+            <msink:sourceLink direction="with" ref="{CEDD621A-77AE-45F5-AD4A-06911290B071}"/>
+          </msink:context>
+        </emma:interpretation>
+      </emma:emma>
+    </inkml:annotationXML>
+    <inkml:trace contextRef="#ctx0" brushRef="#br0">0 4 0,'0'-24'78,"23"24"-62,23 24-1,23-24-15,24 23 16,22 0-16,24-23 16,-93 0-16,46 0 15,47 0-15,22 0 16,70 0-16,-46 0 15,0 0 1,-47 0-16,24 0 0,-47 0 16,-45 0-1,-24 0-15,-23 0 16,0 0 0,0 0-16,0 0 15,23 0 1,1 0-1,-1 0 1,0 0-16,23 0 16,-23 0-16,24 0 15,-1 0-15,0 0 16,24 0-16,-1 0 16,-46 0-16,0 0 15,24 0-15,-1 0 16,0 0-1,23 0-15,1 0 16,-24 0-16,0 0 0,-46 0 16,1 0-16,-1 0 15,0 0-15,0 0 16,0 0 0,0 0-1,0 0 1,0 0-16,23 0 15,24 0-15,-47 0 32,23 0-32,-23 0 15,23 0 1,-23 0 0,47 0-16,-47 0 15,23 0-15,0 0 16,-23 0-16,46 0 15,-22 0-15,-1 0 16,-23 0 0,23 0-16,-23 0 15,0 0 1</inkml:trace>
+  </inkml:traceGroup>
+</inkml:ink>
+</file>
+
 <file path=ppt/slideLayouts/slideLayout1.xml><?xml version="1.0" encoding="utf-8"?>
 <p:sldLayout xmlns:a="http://schemas.openxmlformats.org/drawingml/2006/main" xmlns:r="http://schemas.openxmlformats.org/officeDocument/2006/relationships" xmlns:p="http://schemas.openxmlformats.org/presentationml/2006/main" type="title" preserve="1">
   <p:cSld name="Title Slide">
@@ -256,7 +592,7 @@
           <a:p>
             <a:fld id="{18D589B2-6934-4E05-84FF-09678E8D5775}" type="datetimeFigureOut">
               <a:rPr lang="en-US" smtClean="0"/>
-              <a:t>4/18/2022</a:t>
+              <a:t>4/19/2022</a:t>
             </a:fld>
             <a:endParaRPr lang="en-US"/>
           </a:p>
@@ -426,7 +762,7 @@
           <a:p>
             <a:fld id="{18D589B2-6934-4E05-84FF-09678E8D5775}" type="datetimeFigureOut">
               <a:rPr lang="en-US" smtClean="0"/>
-              <a:t>4/18/2022</a:t>
+              <a:t>4/19/2022</a:t>
             </a:fld>
             <a:endParaRPr lang="en-US"/>
           </a:p>
@@ -606,7 +942,7 @@
           <a:p>
             <a:fld id="{18D589B2-6934-4E05-84FF-09678E8D5775}" type="datetimeFigureOut">
               <a:rPr lang="en-US" smtClean="0"/>
-              <a:t>4/18/2022</a:t>
+              <a:t>4/19/2022</a:t>
             </a:fld>
             <a:endParaRPr lang="en-US"/>
           </a:p>
@@ -776,7 +1112,7 @@
           <a:p>
             <a:fld id="{18D589B2-6934-4E05-84FF-09678E8D5775}" type="datetimeFigureOut">
               <a:rPr lang="en-US" smtClean="0"/>
-              <a:t>4/18/2022</a:t>
+              <a:t>4/19/2022</a:t>
             </a:fld>
             <a:endParaRPr lang="en-US"/>
           </a:p>
@@ -1022,7 +1358,7 @@
           <a:p>
             <a:fld id="{18D589B2-6934-4E05-84FF-09678E8D5775}" type="datetimeFigureOut">
               <a:rPr lang="en-US" smtClean="0"/>
-              <a:t>4/18/2022</a:t>
+              <a:t>4/19/2022</a:t>
             </a:fld>
             <a:endParaRPr lang="en-US"/>
           </a:p>
@@ -1254,7 +1590,7 @@
           <a:p>
             <a:fld id="{18D589B2-6934-4E05-84FF-09678E8D5775}" type="datetimeFigureOut">
               <a:rPr lang="en-US" smtClean="0"/>
-              <a:t>4/18/2022</a:t>
+              <a:t>4/19/2022</a:t>
             </a:fld>
             <a:endParaRPr lang="en-US"/>
           </a:p>
@@ -1621,7 +1957,7 @@
           <a:p>
             <a:fld id="{18D589B2-6934-4E05-84FF-09678E8D5775}" type="datetimeFigureOut">
               <a:rPr lang="en-US" smtClean="0"/>
-              <a:t>4/18/2022</a:t>
+              <a:t>4/19/2022</a:t>
             </a:fld>
             <a:endParaRPr lang="en-US"/>
           </a:p>
@@ -1739,7 +2075,7 @@
           <a:p>
             <a:fld id="{18D589B2-6934-4E05-84FF-09678E8D5775}" type="datetimeFigureOut">
               <a:rPr lang="en-US" smtClean="0"/>
-              <a:t>4/18/2022</a:t>
+              <a:t>4/19/2022</a:t>
             </a:fld>
             <a:endParaRPr lang="en-US"/>
           </a:p>
@@ -1834,7 +2170,7 @@
           <a:p>
             <a:fld id="{18D589B2-6934-4E05-84FF-09678E8D5775}" type="datetimeFigureOut">
               <a:rPr lang="en-US" smtClean="0"/>
-              <a:t>4/18/2022</a:t>
+              <a:t>4/19/2022</a:t>
             </a:fld>
             <a:endParaRPr lang="en-US"/>
           </a:p>
@@ -2111,7 +2447,7 @@
           <a:p>
             <a:fld id="{18D589B2-6934-4E05-84FF-09678E8D5775}" type="datetimeFigureOut">
               <a:rPr lang="en-US" smtClean="0"/>
-              <a:t>4/18/2022</a:t>
+              <a:t>4/19/2022</a:t>
             </a:fld>
             <a:endParaRPr lang="en-US"/>
           </a:p>
@@ -2364,7 +2700,7 @@
           <a:p>
             <a:fld id="{18D589B2-6934-4E05-84FF-09678E8D5775}" type="datetimeFigureOut">
               <a:rPr lang="en-US" smtClean="0"/>
-              <a:t>4/18/2022</a:t>
+              <a:t>4/19/2022</a:t>
             </a:fld>
             <a:endParaRPr lang="en-US"/>
           </a:p>
@@ -2577,7 +2913,7 @@
           <a:p>
             <a:fld id="{18D589B2-6934-4E05-84FF-09678E8D5775}" type="datetimeFigureOut">
               <a:rPr lang="en-US" smtClean="0"/>
-              <a:t>4/18/2022</a:t>
+              <a:t>4/19/2022</a:t>
             </a:fld>
             <a:endParaRPr lang="en-US"/>
           </a:p>
@@ -2999,11 +3335,7 @@
           <a:p>
             <a:r>
               <a:rPr lang="en-US" b="1" dirty="0" smtClean="0"/>
-              <a:t>Introduction to Power </a:t>
-            </a:r>
-            <a:r>
-              <a:rPr lang="en-US" b="1" dirty="0" smtClean="0"/>
-              <a:t>BI-DAX</a:t>
+              <a:t>Introduction to Power BI-DAX</a:t>
             </a:r>
             <a:endParaRPr lang="en-US" b="1" dirty="0"/>
           </a:p>
@@ -3128,12 +3460,12 @@
           <a:p>
             <a:pPr algn="ctr"/>
             <a:r>
-              <a:rPr lang="en-US" b="1" dirty="0" err="1" smtClean="0"/>
-              <a:t>Dax</a:t>
-            </a:r>
-            <a:r>
               <a:rPr lang="en-US" b="1" dirty="0" smtClean="0"/>
-              <a:t> formula (</a:t>
+              <a:t>DAX </a:t>
+            </a:r>
+            <a:r>
+              <a:rPr lang="en-US" b="1" dirty="0" smtClean="0"/>
+              <a:t>formula (</a:t>
             </a:r>
             <a:r>
               <a:rPr lang="en-US" b="1" dirty="0"/>
@@ -3162,12 +3494,6 @@
           <a:bodyPr/>
           <a:lstStyle/>
           <a:p>
-            <a:r>
-              <a:rPr lang="en-US" b="1" dirty="0"/>
-              <a:t>Date and time functions</a:t>
-            </a:r>
-          </a:p>
-          <a:p>
             <a:pPr algn="just"/>
             <a:r>
               <a:rPr lang="en-US" dirty="0" smtClean="0"/>
@@ -3185,7 +3511,6 @@
               <a:rPr lang="en-US" dirty="0"/>
               <a:t> data type, and can take values from a column as an argument.</a:t>
             </a:r>
-            <a:endParaRPr lang="en-US" dirty="0"/>
           </a:p>
         </p:txBody>
       </p:sp>
@@ -3289,12 +3614,12 @@
           <a:p>
             <a:pPr algn="ctr"/>
             <a:r>
-              <a:rPr lang="en-US" b="1" dirty="0" err="1"/>
-              <a:t>Dax</a:t>
+              <a:rPr lang="en-US" b="1" dirty="0" smtClean="0"/>
+              <a:t>DAX </a:t>
             </a:r>
             <a:r>
               <a:rPr lang="en-US" b="1" dirty="0"/>
-              <a:t> formula (Date and time)</a:t>
+              <a:t>formula (Date and time)</a:t>
             </a:r>
             <a:endParaRPr lang="en-US" dirty="0"/>
           </a:p>
@@ -3324,6 +3649,181 @@
           </a:prstGeom>
         </p:spPr>
       </p:pic>
+      <p:sp>
+        <p:nvSpPr>
+          <p:cNvPr id="3" name="Rectangle 2"/>
+          <p:cNvSpPr/>
+          <p:nvPr/>
+        </p:nvSpPr>
+        <p:spPr>
+          <a:xfrm>
+            <a:off x="1171402" y="6314882"/>
+            <a:ext cx="9849195" cy="338554"/>
+          </a:xfrm>
+          <a:prstGeom prst="rect">
+            <a:avLst/>
+          </a:prstGeom>
+        </p:spPr>
+        <p:txBody>
+          <a:bodyPr wrap="square">
+            <a:spAutoFit/>
+          </a:bodyPr>
+          <a:lstStyle/>
+          <a:p>
+            <a:r>
+              <a:rPr lang="en-US" sz="1600" dirty="0" smtClean="0">
+                <a:solidFill>
+                  <a:srgbClr val="000000"/>
+                </a:solidFill>
+                <a:latin typeface="Consolas" panose="020B0609020204030204" pitchFamily="49" charset="0"/>
+              </a:rPr>
+              <a:t>Another example: </a:t>
+            </a:r>
+            <a:r>
+              <a:rPr lang="en-US" sz="1600" dirty="0" err="1" smtClean="0">
+                <a:solidFill>
+                  <a:srgbClr val="000000"/>
+                </a:solidFill>
+                <a:latin typeface="Consolas" panose="020B0609020204030204" pitchFamily="49" charset="0"/>
+              </a:rPr>
+              <a:t>Measure_week</a:t>
+            </a:r>
+            <a:r>
+              <a:rPr lang="en-US" sz="1600" dirty="0" smtClean="0">
+                <a:solidFill>
+                  <a:srgbClr val="000000"/>
+                </a:solidFill>
+                <a:latin typeface="Consolas" panose="020B0609020204030204" pitchFamily="49" charset="0"/>
+              </a:rPr>
+              <a:t> </a:t>
+            </a:r>
+            <a:r>
+              <a:rPr lang="en-US" sz="1600" dirty="0">
+                <a:solidFill>
+                  <a:srgbClr val="000000"/>
+                </a:solidFill>
+                <a:latin typeface="Consolas" panose="020B0609020204030204" pitchFamily="49" charset="0"/>
+              </a:rPr>
+              <a:t>= </a:t>
+            </a:r>
+            <a:r>
+              <a:rPr lang="en-US" sz="1600" dirty="0">
+                <a:solidFill>
+                  <a:srgbClr val="3165BB"/>
+                </a:solidFill>
+                <a:latin typeface="Consolas" panose="020B0609020204030204" pitchFamily="49" charset="0"/>
+              </a:rPr>
+              <a:t>DATEDIFF</a:t>
+            </a:r>
+            <a:r>
+              <a:rPr lang="en-US" sz="1600" dirty="0">
+                <a:solidFill>
+                  <a:srgbClr val="000000"/>
+                </a:solidFill>
+                <a:latin typeface="Consolas" panose="020B0609020204030204" pitchFamily="49" charset="0"/>
+              </a:rPr>
+              <a:t>(</a:t>
+            </a:r>
+            <a:r>
+              <a:rPr lang="en-US" sz="1600" dirty="0">
+                <a:solidFill>
+                  <a:srgbClr val="3165BB"/>
+                </a:solidFill>
+                <a:latin typeface="Consolas" panose="020B0609020204030204" pitchFamily="49" charset="0"/>
+              </a:rPr>
+              <a:t>MIN</a:t>
+            </a:r>
+            <a:r>
+              <a:rPr lang="en-US" sz="1600" dirty="0">
+                <a:solidFill>
+                  <a:srgbClr val="000000"/>
+                </a:solidFill>
+                <a:latin typeface="Consolas" panose="020B0609020204030204" pitchFamily="49" charset="0"/>
+              </a:rPr>
+              <a:t>( </a:t>
+            </a:r>
+            <a:r>
+              <a:rPr lang="en-US" sz="1600" dirty="0">
+                <a:solidFill>
+                  <a:srgbClr val="001080"/>
+                </a:solidFill>
+                <a:latin typeface="Consolas" panose="020B0609020204030204" pitchFamily="49" charset="0"/>
+              </a:rPr>
+              <a:t>April[Date]</a:t>
+            </a:r>
+            <a:r>
+              <a:rPr lang="en-US" sz="1600" dirty="0">
+                <a:solidFill>
+                  <a:srgbClr val="000000"/>
+                </a:solidFill>
+                <a:latin typeface="Consolas" panose="020B0609020204030204" pitchFamily="49" charset="0"/>
+              </a:rPr>
+              <a:t> ), </a:t>
+            </a:r>
+            <a:r>
+              <a:rPr lang="en-US" sz="1600" dirty="0">
+                <a:solidFill>
+                  <a:srgbClr val="3165BB"/>
+                </a:solidFill>
+                <a:latin typeface="Consolas" panose="020B0609020204030204" pitchFamily="49" charset="0"/>
+              </a:rPr>
+              <a:t>MAX</a:t>
+            </a:r>
+            <a:r>
+              <a:rPr lang="en-US" sz="1600" dirty="0">
+                <a:solidFill>
+                  <a:srgbClr val="000000"/>
+                </a:solidFill>
+                <a:latin typeface="Consolas" panose="020B0609020204030204" pitchFamily="49" charset="0"/>
+              </a:rPr>
+              <a:t>( </a:t>
+            </a:r>
+            <a:r>
+              <a:rPr lang="en-US" sz="1600" dirty="0">
+                <a:solidFill>
+                  <a:srgbClr val="001080"/>
+                </a:solidFill>
+                <a:latin typeface="Consolas" panose="020B0609020204030204" pitchFamily="49" charset="0"/>
+              </a:rPr>
+              <a:t>April[Date]</a:t>
+            </a:r>
+            <a:r>
+              <a:rPr lang="en-US" sz="1600" dirty="0">
+                <a:solidFill>
+                  <a:srgbClr val="000000"/>
+                </a:solidFill>
+                <a:latin typeface="Consolas" panose="020B0609020204030204" pitchFamily="49" charset="0"/>
+              </a:rPr>
+              <a:t>), </a:t>
+            </a:r>
+            <a:r>
+              <a:rPr lang="en-US" sz="1600" dirty="0">
+                <a:solidFill>
+                  <a:srgbClr val="3165BB"/>
+                </a:solidFill>
+                <a:latin typeface="Consolas" panose="020B0609020204030204" pitchFamily="49" charset="0"/>
+              </a:rPr>
+              <a:t>WEEK</a:t>
+            </a:r>
+            <a:r>
+              <a:rPr lang="en-US" sz="1600" dirty="0">
+                <a:solidFill>
+                  <a:srgbClr val="000000"/>
+                </a:solidFill>
+                <a:latin typeface="Consolas" panose="020B0609020204030204" pitchFamily="49" charset="0"/>
+              </a:rPr>
+              <a:t> ) </a:t>
+            </a:r>
+            <a:endParaRPr lang="en-US" sz="1600" b="0" dirty="0">
+              <a:solidFill>
+                <a:srgbClr val="000000"/>
+              </a:solidFill>
+              <a:effectLst/>
+              <a:latin typeface="Consolas" panose="020B0609020204030204" pitchFamily="49" charset="0"/>
+            </a:endParaRPr>
+          </a:p>
+        </p:txBody>
+      </p:sp>
     </p:spTree>
     <p:extLst>
       <p:ext uri="{BB962C8B-B14F-4D97-AF65-F5344CB8AC3E}">
@@ -3371,12 +3871,12 @@
           <a:p>
             <a:pPr algn="ctr"/>
             <a:r>
-              <a:rPr lang="en-US" b="1" dirty="0" err="1" smtClean="0"/>
-              <a:t>Dax</a:t>
-            </a:r>
-            <a:r>
               <a:rPr lang="en-US" b="1" dirty="0" smtClean="0"/>
-              <a:t> formula (Filter)</a:t>
+              <a:t>DAX </a:t>
+            </a:r>
+            <a:r>
+              <a:rPr lang="en-US" b="1" dirty="0" smtClean="0"/>
+              <a:t>formula (Filter)</a:t>
             </a:r>
             <a:endParaRPr lang="en-US" b="1" dirty="0"/>
           </a:p>
@@ -3399,12 +3899,6 @@
           </a:bodyPr>
           <a:lstStyle/>
           <a:p>
-            <a:r>
-              <a:rPr lang="en-US" sz="2400" b="1" dirty="0"/>
-              <a:t>Filter functions</a:t>
-            </a:r>
-          </a:p>
-          <a:p>
             <a:pPr algn="just"/>
             <a:r>
               <a:rPr lang="en-US" sz="2400" dirty="0" smtClean="0"/>
@@ -3412,9 +3906,20 @@
             </a:r>
             <a:r>
               <a:rPr lang="en-US" sz="2400" dirty="0"/>
-              <a:t>filter and value functions in DAX are some of the most complex and powerful, and differ greatly from Excel functions. The lookup functions work by using tables and relationships, like a database. The filtering functions let you manipulate data context to create dynamic calculations.</a:t>
-            </a:r>
-            <a:endParaRPr lang="en-US" sz="2400" dirty="0"/>
+              <a:t>filter and value functions in DAX are some of the most complex and powerful, and differ greatly from Excel functions. The </a:t>
+            </a:r>
+            <a:r>
+              <a:rPr lang="en-US" sz="2400" dirty="0">
+                <a:solidFill>
+                  <a:srgbClr val="FF0000"/>
+                </a:solidFill>
+              </a:rPr>
+              <a:t>lookup</a:t>
+            </a:r>
+            <a:r>
+              <a:rPr lang="en-US" sz="2400" dirty="0"/>
+              <a:t> functions work by using tables and relationships, like a database. The filtering functions let you manipulate data context to create dynamic calculations.</a:t>
+            </a:r>
           </a:p>
         </p:txBody>
       </p:sp>
@@ -3529,25 +4034,6 @@
           </a:p>
         </p:txBody>
       </p:sp>
-      <p:sp>
-        <p:nvSpPr>
-          <p:cNvPr id="3" name="Content Placeholder 2"/>
-          <p:cNvSpPr>
-            <a:spLocks noGrp="1"/>
-          </p:cNvSpPr>
-          <p:nvPr>
-            <p:ph idx="1"/>
-          </p:nvPr>
-        </p:nvSpPr>
-        <p:spPr/>
-        <p:txBody>
-          <a:bodyPr/>
-          <a:lstStyle/>
-          <a:p>
-            <a:endParaRPr lang="en-US"/>
-          </a:p>
-        </p:txBody>
-      </p:sp>
       <p:pic>
         <p:nvPicPr>
           <p:cNvPr id="4" name="Picture 3"/>
@@ -3564,7 +4050,7 @@
         </p:blipFill>
         <p:spPr>
           <a:xfrm>
-            <a:off x="394878" y="2385759"/>
+            <a:off x="744013" y="2042859"/>
             <a:ext cx="5858693" cy="3629532"/>
           </a:xfrm>
           <a:prstGeom prst="rect">
@@ -3588,7 +4074,7 @@
         </p:blipFill>
         <p:spPr>
           <a:xfrm>
-            <a:off x="7724575" y="2504886"/>
+            <a:off x="7633135" y="2504886"/>
             <a:ext cx="2857899" cy="2705478"/>
           </a:xfrm>
           <a:prstGeom prst="rect">
@@ -3653,12 +4139,12 @@
           <a:p>
             <a:pPr algn="ctr"/>
             <a:r>
-              <a:rPr lang="en-US" b="1" dirty="0" err="1" smtClean="0"/>
-              <a:t>Dax</a:t>
-            </a:r>
-            <a:r>
               <a:rPr lang="en-US" b="1" dirty="0" smtClean="0"/>
-              <a:t> query</a:t>
+              <a:t>DAX </a:t>
+            </a:r>
+            <a:r>
+              <a:rPr lang="en-US" b="1" dirty="0" smtClean="0"/>
+              <a:t>query</a:t>
             </a:r>
             <a:endParaRPr lang="en-US" b="1" dirty="0"/>
           </a:p>
@@ -4115,6 +4601,108 @@
     <p:extLst>
       <p:ext uri="{BB962C8B-B14F-4D97-AF65-F5344CB8AC3E}">
         <p14:creationId xmlns:p14="http://schemas.microsoft.com/office/powerpoint/2010/main" val="3058193138"/>
+      </p:ext>
+    </p:extLst>
+  </p:cSld>
+  <p:clrMapOvr>
+    <a:masterClrMapping/>
+  </p:clrMapOvr>
+</p:sld>
+</file>
+
+<file path=ppt/slides/slide15.xml><?xml version="1.0" encoding="utf-8"?>
+<p:sld xmlns:a="http://schemas.openxmlformats.org/drawingml/2006/main" xmlns:r="http://schemas.openxmlformats.org/officeDocument/2006/relationships" xmlns:p="http://schemas.openxmlformats.org/presentationml/2006/main">
+  <p:cSld>
+    <p:spTree>
+      <p:nvGrpSpPr>
+        <p:cNvPr id="1" name=""/>
+        <p:cNvGrpSpPr/>
+        <p:nvPr/>
+      </p:nvGrpSpPr>
+      <p:grpSpPr>
+        <a:xfrm>
+          <a:off x="0" y="0"/>
+          <a:ext cx="0" cy="0"/>
+          <a:chOff x="0" y="0"/>
+          <a:chExt cx="0" cy="0"/>
+        </a:xfrm>
+      </p:grpSpPr>
+      <p:sp>
+        <p:nvSpPr>
+          <p:cNvPr id="2" name="Title 1"/>
+          <p:cNvSpPr>
+            <a:spLocks noGrp="1"/>
+          </p:cNvSpPr>
+          <p:nvPr>
+            <p:ph type="title"/>
+          </p:nvPr>
+        </p:nvSpPr>
+        <p:spPr/>
+        <p:txBody>
+          <a:bodyPr/>
+          <a:lstStyle/>
+          <a:p>
+            <a:r>
+              <a:rPr lang="en-US" dirty="0" smtClean="0"/>
+              <a:t>What’s next</a:t>
+            </a:r>
+            <a:endParaRPr lang="en-US" dirty="0"/>
+          </a:p>
+        </p:txBody>
+      </p:sp>
+      <p:sp>
+        <p:nvSpPr>
+          <p:cNvPr id="3" name="Content Placeholder 2"/>
+          <p:cNvSpPr>
+            <a:spLocks noGrp="1"/>
+          </p:cNvSpPr>
+          <p:nvPr>
+            <p:ph idx="1"/>
+          </p:nvPr>
+        </p:nvSpPr>
+        <p:spPr/>
+        <p:txBody>
+          <a:bodyPr/>
+          <a:lstStyle/>
+          <a:p>
+            <a:r>
+              <a:rPr lang="en-US" dirty="0">
+                <a:hlinkClick r:id="rId2"/>
+              </a:rPr>
+              <a:t>https://docs.microsoft.com/en-us/learn/paths/dax-power-bi</a:t>
+            </a:r>
+            <a:r>
+              <a:rPr lang="en-US" dirty="0" smtClean="0">
+                <a:hlinkClick r:id="rId2"/>
+              </a:rPr>
+              <a:t>/</a:t>
+            </a:r>
+            <a:endParaRPr lang="en-US" dirty="0" smtClean="0"/>
+          </a:p>
+          <a:p>
+            <a:r>
+              <a:rPr lang="en-US" dirty="0">
+                <a:hlinkClick r:id="rId3"/>
+              </a:rPr>
+              <a:t>https://daxstudio.org/tutorials/writing-dax-queries</a:t>
+            </a:r>
+            <a:r>
+              <a:rPr lang="en-US" dirty="0" smtClean="0">
+                <a:hlinkClick r:id="rId3"/>
+              </a:rPr>
+              <a:t>/</a:t>
+            </a:r>
+            <a:endParaRPr lang="en-US" dirty="0" smtClean="0"/>
+          </a:p>
+          <a:p>
+            <a:endParaRPr lang="en-US" dirty="0"/>
+          </a:p>
+        </p:txBody>
+      </p:sp>
+    </p:spTree>
+    <p:extLst>
+      <p:ext uri="{BB962C8B-B14F-4D97-AF65-F5344CB8AC3E}">
+        <p14:creationId xmlns:p14="http://schemas.microsoft.com/office/powerpoint/2010/main" val="102558980"/>
       </p:ext>
     </p:extLst>
   </p:cSld>
@@ -4262,12 +4850,12 @@
           <a:p>
             <a:pPr algn="ctr"/>
             <a:r>
-              <a:rPr lang="en-US" b="1" dirty="0" err="1" smtClean="0"/>
-              <a:t>Dax</a:t>
+              <a:rPr lang="en-US" b="1" dirty="0"/>
+              <a:t>DAX Calculation (</a:t>
             </a:r>
             <a:r>
               <a:rPr lang="en-US" b="1" dirty="0" smtClean="0"/>
-              <a:t> Calculation</a:t>
+              <a:t>Measures)</a:t>
             </a:r>
             <a:endParaRPr lang="en-US" b="1" dirty="0"/>
           </a:p>
@@ -4291,14 +4879,12 @@
           <a:lstStyle/>
           <a:p>
             <a:r>
-              <a:rPr lang="en-US" b="1" dirty="0"/>
-              <a:t>Measures</a:t>
-            </a:r>
-          </a:p>
-          <a:p>
+              <a:rPr lang="en-US" dirty="0" smtClean="0"/>
+              <a:t>Measures </a:t>
+            </a:r>
             <a:r>
               <a:rPr lang="en-US" dirty="0"/>
-              <a:t>Measures are dynamic calculation formulas where the results change depending on context. Measures are used in reporting that support combining and filtering model data by using multiple attributes such as a Power BI report or Excel PivotTable or PivotChart</a:t>
+              <a:t>are dynamic calculation formulas where the results change depending on context. Measures are used in reporting that support combining and filtering model data by using multiple attributes such as a Power BI report or Excel PivotTable or PivotChart</a:t>
             </a:r>
             <a:r>
               <a:rPr lang="en-US" dirty="0" smtClean="0"/>
@@ -4329,7 +4915,6 @@
               <a:rPr lang="en-US" dirty="0"/>
               <a:t>E.g., Total Sales = SUM([Sales Amount])</a:t>
             </a:r>
-            <a:endParaRPr lang="en-US" dirty="0"/>
           </a:p>
           <a:p>
             <a:endParaRPr lang="en-US" dirty="0"/>
@@ -4383,13 +4968,14 @@
           <a:p>
             <a:pPr algn="ctr"/>
             <a:r>
-              <a:rPr lang="en-US" b="1" dirty="0" err="1"/>
-              <a:t>Dax</a:t>
-            </a:r>
-            <a:r>
               <a:rPr lang="en-US" b="1" dirty="0"/>
-              <a:t> Calculation</a:t>
-            </a:r>
+              <a:t>DAX Calculation (Calculated </a:t>
+            </a:r>
+            <a:r>
+              <a:rPr lang="en-US" b="1" dirty="0" smtClean="0"/>
+              <a:t>columns)</a:t>
+            </a:r>
+            <a:endParaRPr lang="en-US" b="1" dirty="0"/>
           </a:p>
         </p:txBody>
       </p:sp>
@@ -4409,18 +4995,12 @@
           <a:lstStyle/>
           <a:p>
             <a:r>
-              <a:rPr lang="en-US" b="1" dirty="0"/>
-              <a:t>Calculated </a:t>
-            </a:r>
-            <a:r>
-              <a:rPr lang="en-US" b="1" dirty="0" smtClean="0"/>
-              <a:t>columns</a:t>
-            </a:r>
-          </a:p>
-          <a:p>
+              <a:rPr lang="en-US" dirty="0" smtClean="0"/>
+              <a:t>A </a:t>
+            </a:r>
             <a:r>
               <a:rPr lang="en-US" dirty="0"/>
-              <a:t>A calculated column is a column that you add to an existing table (in the model designer) and then create a DAX formula that defines the column's values</a:t>
+              <a:t>calculated column is a column that you add to an existing table (in the model designer) and then create a DAX formula that defines the column's values</a:t>
             </a:r>
             <a:r>
               <a:rPr lang="en-US" dirty="0" smtClean="0"/>
@@ -4430,8 +5010,30 @@
           <a:p>
             <a:r>
               <a:rPr lang="en-US" b="1" dirty="0"/>
-              <a:t>= [Calendar Year] &amp; " Q" &amp; [Calendar Quarter]</a:t>
-            </a:r>
+              <a:t>= [Calendar Year] &amp; " Q" &amp; [Calendar Quarter</a:t>
+            </a:r>
+            <a:r>
+              <a:rPr lang="en-US" b="1" dirty="0" smtClean="0"/>
+              <a:t>]</a:t>
+            </a:r>
+          </a:p>
+          <a:p>
+            <a:endParaRPr lang="en-US" dirty="0" smtClean="0"/>
+          </a:p>
+          <a:p>
+            <a:endParaRPr lang="en-US" dirty="0"/>
+          </a:p>
+          <a:p>
+            <a:r>
+              <a:rPr lang="en-US" dirty="0" smtClean="0"/>
+              <a:t>D&amp;G </a:t>
+            </a:r>
+            <a:r>
+              <a:rPr lang="en-US" dirty="0"/>
+              <a:t>= [Department Name] &amp; " -" &amp; [ Graduate country] </a:t>
+            </a:r>
+          </a:p>
+          <a:p>
             <a:endParaRPr lang="en-US" b="1" dirty="0"/>
           </a:p>
           <a:p>
@@ -4486,13 +5088,14 @@
           <a:p>
             <a:pPr algn="ctr"/>
             <a:r>
-              <a:rPr lang="en-US" b="1" dirty="0" err="1"/>
-              <a:t>Dax</a:t>
-            </a:r>
-            <a:r>
               <a:rPr lang="en-US" b="1" dirty="0"/>
-              <a:t> Calculation</a:t>
-            </a:r>
+              <a:t>DAX Calculation (Calculated </a:t>
+            </a:r>
+            <a:r>
+              <a:rPr lang="en-US" b="1" dirty="0" smtClean="0"/>
+              <a:t>tables)</a:t>
+            </a:r>
+            <a:endParaRPr lang="en-US" b="1" dirty="0"/>
           </a:p>
         </p:txBody>
       </p:sp>
@@ -4512,18 +5115,12 @@
           <a:lstStyle/>
           <a:p>
             <a:r>
-              <a:rPr lang="en-US" b="1" dirty="0" smtClean="0"/>
-              <a:t>Calculated </a:t>
-            </a:r>
-            <a:r>
-              <a:rPr lang="en-US" b="1" dirty="0"/>
-              <a:t>tables</a:t>
-            </a:r>
-          </a:p>
-          <a:p>
+              <a:rPr lang="en-US" dirty="0" smtClean="0"/>
+              <a:t>A </a:t>
+            </a:r>
             <a:r>
               <a:rPr lang="en-US" dirty="0"/>
-              <a:t>A calculated table is a computed object, based on a formula expression, derived from all or part of other tables in the same model. Instead of querying and loading values into your new table's columns from a data source, a DAX formula defines the table's values</a:t>
+              <a:t>calculated table is a computed object, based on a formula expression, derived from all or part of other tables in the same model. Instead of querying and loading values into your new table's columns from a data source, a DAX formula defines the table's values</a:t>
             </a:r>
             <a:r>
               <a:rPr lang="en-US" dirty="0" smtClean="0"/>
@@ -4535,7 +5132,6 @@
               <a:rPr lang="en-US" b="1" dirty="0"/>
               <a:t>Western Region Employees = UNION('Northwest Employees', 'Southwest Employees')</a:t>
             </a:r>
-            <a:endParaRPr lang="en-US" b="1" dirty="0"/>
           </a:p>
           <a:p>
             <a:endParaRPr lang="en-US" dirty="0"/>
@@ -4727,12 +5323,12 @@
           <a:p>
             <a:pPr algn="ctr"/>
             <a:r>
-              <a:rPr lang="en-US" b="1" dirty="0" err="1" smtClean="0"/>
-              <a:t>Dax</a:t>
-            </a:r>
-            <a:r>
               <a:rPr lang="en-US" b="1" dirty="0" smtClean="0"/>
-              <a:t> formula (Aggregation)</a:t>
+              <a:t>DAX </a:t>
+            </a:r>
+            <a:r>
+              <a:rPr lang="en-US" b="1" dirty="0" smtClean="0"/>
+              <a:t>formula (Aggregation)</a:t>
             </a:r>
             <a:endParaRPr lang="en-US" b="1" dirty="0"/>
           </a:p>
@@ -4752,12 +5348,6 @@
         <p:txBody>
           <a:bodyPr/>
           <a:lstStyle/>
-          <a:p>
-            <a:r>
-              <a:rPr lang="en-US" b="1" dirty="0"/>
-              <a:t>Aggregation functions</a:t>
-            </a:r>
-          </a:p>
           <a:p>
             <a:pPr algn="just"/>
             <a:r>
@@ -4768,7 +5358,6 @@
               <a:rPr lang="en-US" dirty="0"/>
               <a:t>a (scalar) value such as count, sum, average, minimum, or maximum for all rows in a column or table as defined by the expression.</a:t>
             </a:r>
-            <a:endParaRPr lang="en-US" dirty="0"/>
           </a:p>
         </p:txBody>
       </p:sp>
@@ -4871,13 +5460,14 @@
           <a:p>
             <a:pPr algn="ctr"/>
             <a:r>
-              <a:rPr lang="en-US" b="1" dirty="0" err="1"/>
-              <a:t>Dax</a:t>
+              <a:rPr lang="en-US" b="1" dirty="0" smtClean="0"/>
+              <a:t>DAX </a:t>
             </a:r>
             <a:r>
               <a:rPr lang="en-US" b="1" dirty="0"/>
-              <a:t> formulas</a:t>
-            </a:r>
+              <a:t>formulas (Aggregation)</a:t>
+            </a:r>
+            <a:endParaRPr lang="en-US" b="1" dirty="0"/>
           </a:p>
         </p:txBody>
       </p:sp>
@@ -4905,6 +5495,123 @@
           </a:prstGeom>
         </p:spPr>
       </p:pic>
+      <mc:AlternateContent xmlns:mc="http://schemas.openxmlformats.org/markup-compatibility/2006">
+        <mc:Choice xmlns:p14="http://schemas.microsoft.com/office/powerpoint/2010/main" Requires="p14">
+          <p:contentPart p14:bwMode="auto" r:id="rId3">
+            <p14:nvContentPartPr>
+              <p14:cNvPr id="11" name="Ink 10"/>
+              <p14:cNvContentPartPr/>
+              <p14:nvPr/>
+            </p14:nvContentPartPr>
+            <p14:xfrm>
+              <a:off x="575770" y="6099578"/>
+              <a:ext cx="10305589" cy="698400"/>
+            </p14:xfrm>
+          </p:contentPart>
+        </mc:Choice>
+        <mc:Fallback>
+          <p:pic>
+            <p:nvPicPr>
+              <p:cNvPr id="11" name="Ink 10"/>
+              <p:cNvPicPr/>
+              <p:nvPr/>
+            </p:nvPicPr>
+            <p:blipFill>
+              <a:blip r:embed="rId4"/>
+              <a:stretch>
+                <a:fillRect/>
+              </a:stretch>
+            </p:blipFill>
+            <p:spPr>
+              <a:xfrm>
+                <a:off x="564970" y="6089138"/>
+                <a:ext cx="10327189" cy="719640"/>
+              </a:xfrm>
+              <a:prstGeom prst="rect">
+                <a:avLst/>
+              </a:prstGeom>
+            </p:spPr>
+          </p:pic>
+        </mc:Fallback>
+      </mc:AlternateContent>
+      <mc:AlternateContent xmlns:mc="http://schemas.openxmlformats.org/markup-compatibility/2006">
+        <mc:Choice xmlns:p14="http://schemas.microsoft.com/office/powerpoint/2010/main" Requires="p14">
+          <p:contentPart p14:bwMode="auto" r:id="rId5">
+            <p14:nvContentPartPr>
+              <p14:cNvPr id="19" name="Ink 18"/>
+              <p14:cNvContentPartPr/>
+              <p14:nvPr/>
+            </p14:nvContentPartPr>
+            <p14:xfrm>
+              <a:off x="2454251" y="6503138"/>
+              <a:ext cx="28800" cy="0"/>
+            </p14:xfrm>
+          </p:contentPart>
+        </mc:Choice>
+        <mc:Fallback>
+          <p:pic>
+            <p:nvPicPr>
+              <p:cNvPr id="19" name="Ink 18"/>
+              <p:cNvPicPr/>
+              <p:nvPr/>
+            </p:nvPicPr>
+            <p:blipFill>
+              <a:blip r:embed="rId6"/>
+              <a:stretch>
+                <a:fillRect/>
+              </a:stretch>
+            </p:blipFill>
+            <p:spPr>
+              <a:xfrm>
+                <a:off x="0" y="0"/>
+                <a:ext cx="28800" cy="0"/>
+              </a:xfrm>
+              <a:prstGeom prst="rect">
+                <a:avLst/>
+              </a:prstGeom>
+            </p:spPr>
+          </p:pic>
+        </mc:Fallback>
+      </mc:AlternateContent>
+      <mc:AlternateContent xmlns:mc="http://schemas.openxmlformats.org/markup-compatibility/2006">
+        <mc:Choice xmlns:p14="http://schemas.microsoft.com/office/powerpoint/2010/main" Requires="p14">
+          <p:contentPart p14:bwMode="auto" r:id="rId7">
+            <p14:nvContentPartPr>
+              <p14:cNvPr id="53" name="Ink 52"/>
+              <p14:cNvContentPartPr/>
+              <p14:nvPr/>
+            </p14:nvContentPartPr>
+            <p14:xfrm>
+              <a:off x="557051" y="6657218"/>
+              <a:ext cx="1596240" cy="22680"/>
+            </p14:xfrm>
+          </p:contentPart>
+        </mc:Choice>
+        <mc:Fallback>
+          <p:pic>
+            <p:nvPicPr>
+              <p:cNvPr id="53" name="Ink 52"/>
+              <p:cNvPicPr/>
+              <p:nvPr/>
+            </p:nvPicPr>
+            <p:blipFill>
+              <a:blip r:embed="rId8"/>
+              <a:stretch>
+                <a:fillRect/>
+              </a:stretch>
+            </p:blipFill>
+            <p:spPr>
+              <a:xfrm>
+                <a:off x="545171" y="6645338"/>
+                <a:ext cx="1620000" cy="46440"/>
+              </a:xfrm>
+              <a:prstGeom prst="rect">
+                <a:avLst/>
+              </a:prstGeom>
+            </p:spPr>
+          </p:pic>
+        </mc:Fallback>
+      </mc:AlternateContent>
     </p:spTree>
     <p:extLst>
       <p:ext uri="{BB962C8B-B14F-4D97-AF65-F5344CB8AC3E}">
